--- a/draft/chapter4.pptx
+++ b/draft/chapter4.pptx
@@ -11200,7 +11200,7 @@
         <p:spPr>
           <a:xfrm>
             <a:off x="871921" y="523473"/>
-            <a:ext cx="813043" cy="276999"/>
+            <a:ext cx="854721" cy="276999"/>
           </a:xfrm>
           <a:prstGeom prst="rect">
             <a:avLst/>
@@ -11214,10 +11214,10 @@
           <a:lstStyle/>
           <a:p>
             <a:r>
-              <a:rPr lang="en-US" altLang="ko-KR" sz="1200" smtClean="0"/>
-              <a:t>input_ids</a:t>
-            </a:r>
-            <a:endParaRPr lang="ko-KR" altLang="en-US" sz="1200"/>
+              <a:rPr lang="ko-KR" altLang="en-US" sz="1200" dirty="0" smtClean="0"/>
+              <a:t>토큰 번호</a:t>
+            </a:r>
+            <a:endParaRPr lang="ko-KR" altLang="en-US" sz="1200" dirty="0"/>
           </a:p>
         </p:txBody>
       </p:sp>
@@ -12439,7 +12439,7 @@
         <p:spPr>
           <a:xfrm>
             <a:off x="871921" y="2475149"/>
-            <a:ext cx="1209177" cy="276999"/>
+            <a:ext cx="854721" cy="276999"/>
           </a:xfrm>
           <a:prstGeom prst="rect">
             <a:avLst/>
@@ -12453,10 +12453,10 @@
           <a:lstStyle/>
           <a:p>
             <a:r>
-              <a:rPr lang="en-US" altLang="ko-KR" sz="1200" smtClean="0"/>
-              <a:t>token_type_ids</a:t>
-            </a:r>
-            <a:endParaRPr lang="ko-KR" altLang="en-US" sz="1200"/>
+              <a:rPr lang="ko-KR" altLang="en-US" sz="1200" dirty="0" smtClean="0"/>
+              <a:t>토큰 타입</a:t>
+            </a:r>
+            <a:endParaRPr lang="ko-KR" altLang="en-US" sz="1200" dirty="0"/>
           </a:p>
         </p:txBody>
       </p:sp>
@@ -13702,7 +13702,7 @@
         <p:spPr>
           <a:xfrm>
             <a:off x="871921" y="4171742"/>
-            <a:ext cx="1015021" cy="276999"/>
+            <a:ext cx="646331" cy="276999"/>
           </a:xfrm>
           <a:prstGeom prst="rect">
             <a:avLst/>
@@ -13716,10 +13716,10 @@
           <a:lstStyle/>
           <a:p>
             <a:r>
-              <a:rPr lang="en-US" altLang="ko-KR" sz="1200" smtClean="0"/>
-              <a:t>position_ids</a:t>
-            </a:r>
-            <a:endParaRPr lang="ko-KR" altLang="en-US" sz="1200"/>
+              <a:rPr lang="ko-KR" altLang="en-US" sz="1200" smtClean="0"/>
+              <a:t>포지션</a:t>
+            </a:r>
+            <a:endParaRPr lang="ko-KR" altLang="en-US" sz="1200" dirty="0"/>
           </a:p>
         </p:txBody>
       </p:sp>
